--- a/CONAN_house.pptx
+++ b/CONAN_house.pptx
@@ -115,75 +115,6 @@
 </p:presentation>
 </file>
 
-<file path=ppt/revisionInfo.xml><?xml version="1.0" encoding="utf-8"?>
-<p1510:revInfo xmlns:a="http://schemas.openxmlformats.org/drawingml/2006/main" xmlns:r="http://schemas.openxmlformats.org/officeDocument/2006/relationships" xmlns:p1510="http://schemas.microsoft.com/office/powerpoint/2015/10/main">
-  <p1510:revLst>
-    <p1510:client id="{AC68A508-00F2-0C47-B213-E68853749A57}" v="19" dt="2024-08-22T08:55:25.689"/>
-  </p1510:revLst>
-</p1510:revInfo>
-</file>
-
-<file path=ppt/changesInfos/changesInfo1.xml><?xml version="1.0" encoding="utf-8"?>
-<pc:chgInfo xmlns:a="http://schemas.openxmlformats.org/drawingml/2006/main" xmlns:r="http://schemas.openxmlformats.org/officeDocument/2006/relationships" xmlns:ac="http://schemas.microsoft.com/office/drawing/2013/main/command" xmlns:pc="http://schemas.microsoft.com/office/powerpoint/2013/main/command">
-  <pc:docChgLst>
-    <pc:chgData name="Arbour, Duncan" userId="f8c76c83-f09a-4702-8a60-e00215c8b89f" providerId="ADAL" clId="{AC68A508-00F2-0C47-B213-E68853749A57}"/>
-    <pc:docChg chg="undo custSel modSld">
-      <pc:chgData name="Arbour, Duncan" userId="f8c76c83-f09a-4702-8a60-e00215c8b89f" providerId="ADAL" clId="{AC68A508-00F2-0C47-B213-E68853749A57}" dt="2024-08-22T10:25:02.603" v="709" actId="1036"/>
-      <pc:docMkLst>
-        <pc:docMk/>
-      </pc:docMkLst>
-      <pc:sldChg chg="modSp mod modNotesTx">
-        <pc:chgData name="Arbour, Duncan" userId="f8c76c83-f09a-4702-8a60-e00215c8b89f" providerId="ADAL" clId="{AC68A508-00F2-0C47-B213-E68853749A57}" dt="2024-08-22T10:25:02.603" v="709" actId="1036"/>
-        <pc:sldMkLst>
-          <pc:docMk/>
-          <pc:sldMk cId="3236585661" sldId="257"/>
-        </pc:sldMkLst>
-        <pc:spChg chg="mod">
-          <ac:chgData name="Arbour, Duncan" userId="f8c76c83-f09a-4702-8a60-e00215c8b89f" providerId="ADAL" clId="{AC68A508-00F2-0C47-B213-E68853749A57}" dt="2024-08-22T10:25:02.603" v="709" actId="1036"/>
-          <ac:spMkLst>
-            <pc:docMk/>
-            <pc:sldMk cId="3236585661" sldId="257"/>
-            <ac:spMk id="20" creationId="{D0AC7C6D-5EAF-2710-AF86-4E634B2DB833}"/>
-          </ac:spMkLst>
-        </pc:spChg>
-        <pc:spChg chg="mod">
-          <ac:chgData name="Arbour, Duncan" userId="f8c76c83-f09a-4702-8a60-e00215c8b89f" providerId="ADAL" clId="{AC68A508-00F2-0C47-B213-E68853749A57}" dt="2024-08-22T10:25:02.603" v="709" actId="1036"/>
-          <ac:spMkLst>
-            <pc:docMk/>
-            <pc:sldMk cId="3236585661" sldId="257"/>
-            <ac:spMk id="21" creationId="{22D4805B-BD9A-F5EE-43A7-A8A8E55A9698}"/>
-          </ac:spMkLst>
-        </pc:spChg>
-        <pc:spChg chg="mod">
-          <ac:chgData name="Arbour, Duncan" userId="f8c76c83-f09a-4702-8a60-e00215c8b89f" providerId="ADAL" clId="{AC68A508-00F2-0C47-B213-E68853749A57}" dt="2024-08-22T10:25:02.603" v="709" actId="1036"/>
-          <ac:spMkLst>
-            <pc:docMk/>
-            <pc:sldMk cId="3236585661" sldId="257"/>
-            <ac:spMk id="22" creationId="{D7A7DF45-09A5-B619-72B8-79BCD7E0CCAB}"/>
-          </ac:spMkLst>
-        </pc:spChg>
-        <pc:spChg chg="mod">
-          <ac:chgData name="Arbour, Duncan" userId="f8c76c83-f09a-4702-8a60-e00215c8b89f" providerId="ADAL" clId="{AC68A508-00F2-0C47-B213-E68853749A57}" dt="2024-08-22T10:25:02.603" v="709" actId="1036"/>
-          <ac:spMkLst>
-            <pc:docMk/>
-            <pc:sldMk cId="3236585661" sldId="257"/>
-            <ac:spMk id="23" creationId="{5E00C869-A176-A6E0-77AF-205A476C006D}"/>
-          </ac:spMkLst>
-        </pc:spChg>
-        <pc:spChg chg="mod">
-          <ac:chgData name="Arbour, Duncan" userId="f8c76c83-f09a-4702-8a60-e00215c8b89f" providerId="ADAL" clId="{AC68A508-00F2-0C47-B213-E68853749A57}" dt="2024-08-22T10:24:51.394" v="700" actId="255"/>
-          <ac:spMkLst>
-            <pc:docMk/>
-            <pc:sldMk cId="3236585661" sldId="257"/>
-            <ac:spMk id="25" creationId="{1C1419C6-AE1A-8EA3-E9DC-D8FFDF9AB1B5}"/>
-          </ac:spMkLst>
-        </pc:spChg>
-      </pc:sldChg>
-    </pc:docChg>
-  </pc:docChgLst>
-</pc:chgInfo>
-</file>
-
 <file path=ppt/notesMasters/notesMaster1.xml><?xml version="1.0" encoding="utf-8"?>
 <p:notesMaster xmlns:a="http://schemas.openxmlformats.org/drawingml/2006/main" xmlns:r="http://schemas.openxmlformats.org/officeDocument/2006/relationships" xmlns:p="http://schemas.openxmlformats.org/presentationml/2006/main">
   <p:cSld>
@@ -266,7 +197,7 @@
           <a:p>
             <a:fld id="{77AB6CFA-8C06-A742-9C67-9EB8DDEC067B}" type="datetimeFigureOut">
               <a:rPr lang="en-US" smtClean="0"/>
-              <a:t>8/22/24</a:t>
+              <a:t>8/23/24</a:t>
             </a:fld>
             <a:endParaRPr lang="en-US"/>
           </a:p>
@@ -577,6 +508,126 @@
         <p:txBody>
           <a:bodyPr/>
           <a:lstStyle/>
+          <a:p>
+            <a:pPr marL="0" marR="0" lvl="0" indent="0" algn="l" defTabSz="914400" rtl="0" eaLnBrk="1" fontAlgn="auto" latinLnBrk="0" hangingPunct="1">
+              <a:lnSpc>
+                <a:spcPct val="100000"/>
+              </a:lnSpc>
+              <a:spcBef>
+                <a:spcPts val="0"/>
+              </a:spcBef>
+              <a:spcAft>
+                <a:spcPts val="0"/>
+              </a:spcAft>
+              <a:buClrTx/>
+              <a:buSzTx/>
+              <a:buFontTx/>
+              <a:buNone/>
+              <a:tabLst/>
+              <a:defRPr/>
+            </a:pPr>
+            <a:endParaRPr lang="en-GB" sz="1200" b="0" dirty="0">
+              <a:solidFill>
+                <a:schemeClr val="accent2"/>
+              </a:solidFill>
+            </a:endParaRPr>
+          </a:p>
+          <a:p>
+            <a:pPr marL="0" marR="0" lvl="0" indent="0" algn="l" defTabSz="914400" rtl="0" eaLnBrk="1" fontAlgn="auto" latinLnBrk="0" hangingPunct="1">
+              <a:lnSpc>
+                <a:spcPct val="100000"/>
+              </a:lnSpc>
+              <a:spcBef>
+                <a:spcPts val="0"/>
+              </a:spcBef>
+              <a:spcAft>
+                <a:spcPts val="0"/>
+              </a:spcAft>
+              <a:buClrTx/>
+              <a:buSzTx/>
+              <a:buFontTx/>
+              <a:buNone/>
+              <a:tabLst/>
+              <a:defRPr/>
+            </a:pPr>
+            <a:endParaRPr lang="en-GB" sz="1200" b="0" dirty="0">
+              <a:solidFill>
+                <a:schemeClr val="accent2"/>
+              </a:solidFill>
+            </a:endParaRPr>
+          </a:p>
+          <a:p>
+            <a:pPr marL="0" marR="0" lvl="0" indent="0" algn="l" defTabSz="914400" rtl="0" eaLnBrk="1" fontAlgn="auto" latinLnBrk="0" hangingPunct="1">
+              <a:lnSpc>
+                <a:spcPct val="100000"/>
+              </a:lnSpc>
+              <a:spcBef>
+                <a:spcPts val="0"/>
+              </a:spcBef>
+              <a:spcAft>
+                <a:spcPts val="0"/>
+              </a:spcAft>
+              <a:buClrTx/>
+              <a:buSzTx/>
+              <a:buFontTx/>
+              <a:buNone/>
+              <a:tabLst/>
+              <a:defRPr/>
+            </a:pPr>
+            <a:endParaRPr lang="en-GB" sz="1200" b="1" dirty="0">
+              <a:solidFill>
+                <a:schemeClr val="accent5"/>
+              </a:solidFill>
+            </a:endParaRPr>
+          </a:p>
+          <a:p>
+            <a:pPr marL="0" marR="0" lvl="0" indent="0" algn="l" defTabSz="914400" rtl="0" eaLnBrk="1" fontAlgn="auto" latinLnBrk="0" hangingPunct="1">
+              <a:lnSpc>
+                <a:spcPct val="100000"/>
+              </a:lnSpc>
+              <a:spcBef>
+                <a:spcPts val="0"/>
+              </a:spcBef>
+              <a:spcAft>
+                <a:spcPts val="0"/>
+              </a:spcAft>
+              <a:buClrTx/>
+              <a:buSzTx/>
+              <a:buFontTx/>
+              <a:buNone/>
+              <a:tabLst/>
+              <a:defRPr/>
+            </a:pPr>
+            <a:endParaRPr lang="en-GB" sz="1200" b="1" dirty="0">
+              <a:solidFill>
+                <a:schemeClr val="accent5"/>
+              </a:solidFill>
+            </a:endParaRPr>
+          </a:p>
+          <a:p>
+            <a:pPr marL="0" marR="0" lvl="0" indent="0" algn="l" defTabSz="914400" rtl="0" eaLnBrk="1" fontAlgn="auto" latinLnBrk="0" hangingPunct="1">
+              <a:lnSpc>
+                <a:spcPct val="100000"/>
+              </a:lnSpc>
+              <a:spcBef>
+                <a:spcPts val="0"/>
+              </a:spcBef>
+              <a:spcAft>
+                <a:spcPts val="0"/>
+              </a:spcAft>
+              <a:buClrTx/>
+              <a:buSzTx/>
+              <a:buFontTx/>
+              <a:buNone/>
+              <a:tabLst/>
+              <a:defRPr/>
+            </a:pPr>
+            <a:endParaRPr lang="en-GB" sz="1200" b="1" dirty="0">
+              <a:solidFill>
+                <a:schemeClr val="accent5"/>
+              </a:solidFill>
+            </a:endParaRPr>
+          </a:p>
           <a:p>
             <a:endParaRPr lang="en-GB" dirty="0"/>
           </a:p>
@@ -1921,7 +1972,7 @@
         </p:nvSpPr>
         <p:spPr>
           <a:xfrm>
-            <a:off x="795131" y="2854960"/>
+            <a:off x="795131" y="2952680"/>
             <a:ext cx="2478157" cy="169277"/>
           </a:xfrm>
           <a:prstGeom prst="rect">
@@ -1965,7 +2016,7 @@
         </p:nvSpPr>
         <p:spPr>
           <a:xfrm>
-            <a:off x="3424693" y="2854960"/>
+            <a:off x="3424693" y="2952680"/>
             <a:ext cx="2478157" cy="169277"/>
           </a:xfrm>
           <a:prstGeom prst="rect">
@@ -2009,7 +2060,7 @@
         </p:nvSpPr>
         <p:spPr>
           <a:xfrm>
-            <a:off x="6054255" y="2854960"/>
+            <a:off x="6054255" y="2952680"/>
             <a:ext cx="2478157" cy="169277"/>
           </a:xfrm>
           <a:prstGeom prst="rect">
@@ -2053,7 +2104,7 @@
         </p:nvSpPr>
         <p:spPr>
           <a:xfrm>
-            <a:off x="8683818" y="2854960"/>
+            <a:off x="8683818" y="2952680"/>
             <a:ext cx="2478157" cy="169277"/>
           </a:xfrm>
           <a:prstGeom prst="rect">
@@ -2345,7 +2396,7 @@
         </p:nvSpPr>
         <p:spPr>
           <a:xfrm>
-            <a:off x="876412" y="2205160"/>
+            <a:off x="876412" y="2093480"/>
             <a:ext cx="10208478" cy="215444"/>
           </a:xfrm>
           <a:prstGeom prst="rect">
@@ -3069,14 +3120,12 @@
 </file>
 
 <file path=customXml/item1.xml><?xml version="1.0" encoding="utf-8"?>
-<p:properties xmlns:p="http://schemas.microsoft.com/office/2006/metadata/properties" xmlns:xsi="http://www.w3.org/2001/XMLSchema-instance" xmlns:pc="http://schemas.microsoft.com/office/infopath/2007/PartnerControls">
-  <documentManagement>
-    <TaxCatchAll xmlns="9bea065c-4598-471b-a0d8-b208471d6a41" xsi:nil="true"/>
-    <lcf76f155ced4ddcb4097134ff3c332f xmlns="737cdb0d-9f15-48ec-9529-975a91239bb1">
-      <Terms xmlns="http://schemas.microsoft.com/office/infopath/2007/PartnerControls"/>
-    </lcf76f155ced4ddcb4097134ff3c332f>
-  </documentManagement>
-</p:properties>
+<?mso-contentType ?>
+<FormTemplates xmlns="http://schemas.microsoft.com/sharepoint/v3/contenttype/forms">
+  <Display>DocumentLibraryForm</Display>
+  <Edit>DocumentLibraryForm</Edit>
+  <New>DocumentLibraryForm</New>
+</FormTemplates>
 </file>
 
 <file path=customXml/item2.xml><?xml version="1.0" encoding="utf-8"?>
@@ -3315,27 +3364,20 @@
 </file>
 
 <file path=customXml/item3.xml><?xml version="1.0" encoding="utf-8"?>
-<?mso-contentType ?>
-<FormTemplates xmlns="http://schemas.microsoft.com/sharepoint/v3/contenttype/forms">
-  <Display>DocumentLibraryForm</Display>
-  <Edit>DocumentLibraryForm</Edit>
-  <New>DocumentLibraryForm</New>
-</FormTemplates>
+<p:properties xmlns:p="http://schemas.microsoft.com/office/2006/metadata/properties" xmlns:xsi="http://www.w3.org/2001/XMLSchema-instance" xmlns:pc="http://schemas.microsoft.com/office/infopath/2007/PartnerControls">
+  <documentManagement>
+    <TaxCatchAll xmlns="9bea065c-4598-471b-a0d8-b208471d6a41" xsi:nil="true"/>
+    <lcf76f155ced4ddcb4097134ff3c332f xmlns="737cdb0d-9f15-48ec-9529-975a91239bb1">
+      <Terms xmlns="http://schemas.microsoft.com/office/infopath/2007/PartnerControls"/>
+    </lcf76f155ced4ddcb4097134ff3c332f>
+  </documentManagement>
+</p:properties>
 </file>
 
 <file path=customXml/itemProps1.xml><?xml version="1.0" encoding="utf-8"?>
-<ds:datastoreItem xmlns:ds="http://schemas.openxmlformats.org/officeDocument/2006/customXml" ds:itemID="{9674E985-4D59-45AB-8970-AD8E2C92CE21}">
+<ds:datastoreItem xmlns:ds="http://schemas.openxmlformats.org/officeDocument/2006/customXml" ds:itemID="{3BB299B6-1159-4940-B296-E198453C8E80}">
   <ds:schemaRefs>
-    <ds:schemaRef ds:uri="http://schemas.microsoft.com/office/infopath/2007/PartnerControls"/>
-    <ds:schemaRef ds:uri="737cdb0d-9f15-48ec-9529-975a91239bb1"/>
-    <ds:schemaRef ds:uri="http://schemas.microsoft.com/office/2006/metadata/properties"/>
-    <ds:schemaRef ds:uri="http://www.w3.org/XML/1998/namespace"/>
-    <ds:schemaRef ds:uri="9bea065c-4598-471b-a0d8-b208471d6a41"/>
-    <ds:schemaRef ds:uri="http://purl.org/dc/terms/"/>
-    <ds:schemaRef ds:uri="http://purl.org/dc/dcmitype/"/>
-    <ds:schemaRef ds:uri="http://purl.org/dc/elements/1.1/"/>
-    <ds:schemaRef ds:uri="http://schemas.microsoft.com/office/2006/documentManagement/types"/>
-    <ds:schemaRef ds:uri="http://schemas.openxmlformats.org/package/2006/metadata/core-properties"/>
+    <ds:schemaRef ds:uri="http://schemas.microsoft.com/sharepoint/v3/contenttype/forms"/>
   </ds:schemaRefs>
 </ds:datastoreItem>
 </file>
@@ -3360,9 +3402,18 @@
 </file>
 
 <file path=customXml/itemProps3.xml><?xml version="1.0" encoding="utf-8"?>
-<ds:datastoreItem xmlns:ds="http://schemas.openxmlformats.org/officeDocument/2006/customXml" ds:itemID="{3BB299B6-1159-4940-B296-E198453C8E80}">
+<ds:datastoreItem xmlns:ds="http://schemas.openxmlformats.org/officeDocument/2006/customXml" ds:itemID="{9674E985-4D59-45AB-8970-AD8E2C92CE21}">
   <ds:schemaRefs>
-    <ds:schemaRef ds:uri="http://schemas.microsoft.com/sharepoint/v3/contenttype/forms"/>
+    <ds:schemaRef ds:uri="http://purl.org/dc/elements/1.1/"/>
+    <ds:schemaRef ds:uri="http://schemas.microsoft.com/office/2006/metadata/properties"/>
+    <ds:schemaRef ds:uri="http://schemas.microsoft.com/office/2006/documentManagement/types"/>
+    <ds:schemaRef ds:uri="http://schemas.microsoft.com/office/infopath/2007/PartnerControls"/>
+    <ds:schemaRef ds:uri="http://schemas.openxmlformats.org/package/2006/metadata/core-properties"/>
+    <ds:schemaRef ds:uri="http://purl.org/dc/dcmitype/"/>
+    <ds:schemaRef ds:uri="http://purl.org/dc/terms/"/>
+    <ds:schemaRef ds:uri="9bea065c-4598-471b-a0d8-b208471d6a41"/>
+    <ds:schemaRef ds:uri="737cdb0d-9f15-48ec-9529-975a91239bb1"/>
+    <ds:schemaRef ds:uri="http://www.w3.org/XML/1998/namespace"/>
   </ds:schemaRefs>
 </ds:datastoreItem>
 </file>